--- a/presentation/design-systems/datetime/datetime.pptx
+++ b/presentation/design-systems/datetime/datetime.pptx
@@ -9,9 +9,10 @@
     <p:sldId id="257" r:id="rId3"/>
     <p:sldId id="258" r:id="rId4"/>
     <p:sldId id="262" r:id="rId5"/>
-    <p:sldId id="259" r:id="rId6"/>
-    <p:sldId id="260" r:id="rId7"/>
-    <p:sldId id="261" r:id="rId8"/>
+    <p:sldId id="263" r:id="rId6"/>
+    <p:sldId id="259" r:id="rId7"/>
+    <p:sldId id="260" r:id="rId8"/>
+    <p:sldId id="261" r:id="rId9"/>
   </p:sldIdLst>
   <p:sldSz cx="12192000" cy="6858000"/>
   <p:notesSz cx="6858000" cy="9144000"/>
@@ -110,6 +111,11 @@
       </a:defRPr>
     </a:lvl9pPr>
   </p:defaultTextStyle>
+  <p:extLst>
+    <p:ext uri="{EFAFB233-063F-42B5-8137-9DF3F51BA10A}">
+      <p15:sldGuideLst xmlns:p15="http://schemas.microsoft.com/office/powerpoint/2012/main"/>
+    </p:ext>
+  </p:extLst>
 </p:presentation>
 </file>
 
@@ -261,7 +267,7 @@
             <a:fld id="{76969C88-B244-455D-A017-012B25B1ACDD}" type="datetimeFigureOut">
               <a:rPr lang="en-US" smtClean="0"/>
               <a:pPr/>
-              <a:t>6/23/2020</a:t>
+              <a:t>6/30/2020</a:t>
             </a:fld>
             <a:endParaRPr lang="en-US"/>
           </a:p>
@@ -461,7 +467,7 @@
             <a:fld id="{76969C88-B244-455D-A017-012B25B1ACDD}" type="datetimeFigureOut">
               <a:rPr lang="en-US" smtClean="0"/>
               <a:pPr/>
-              <a:t>6/23/2020</a:t>
+              <a:t>6/30/2020</a:t>
             </a:fld>
             <a:endParaRPr lang="en-US"/>
           </a:p>
@@ -671,7 +677,7 @@
             <a:fld id="{76969C88-B244-455D-A017-012B25B1ACDD}" type="datetimeFigureOut">
               <a:rPr lang="en-US" smtClean="0"/>
               <a:pPr/>
-              <a:t>6/23/2020</a:t>
+              <a:t>6/30/2020</a:t>
             </a:fld>
             <a:endParaRPr lang="en-US"/>
           </a:p>
@@ -871,7 +877,7 @@
             <a:fld id="{76969C88-B244-455D-A017-012B25B1ACDD}" type="datetimeFigureOut">
               <a:rPr lang="en-US" smtClean="0"/>
               <a:pPr/>
-              <a:t>6/23/2020</a:t>
+              <a:t>6/30/2020</a:t>
             </a:fld>
             <a:endParaRPr lang="en-US"/>
           </a:p>
@@ -1148,7 +1154,7 @@
             <a:fld id="{76969C88-B244-455D-A017-012B25B1ACDD}" type="datetimeFigureOut">
               <a:rPr lang="en-US" smtClean="0"/>
               <a:pPr/>
-              <a:t>6/23/2020</a:t>
+              <a:t>6/30/2020</a:t>
             </a:fld>
             <a:endParaRPr lang="en-US"/>
           </a:p>
@@ -1415,7 +1421,7 @@
             <a:fld id="{76969C88-B244-455D-A017-012B25B1ACDD}" type="datetimeFigureOut">
               <a:rPr lang="en-US" smtClean="0"/>
               <a:pPr/>
-              <a:t>6/23/2020</a:t>
+              <a:t>6/30/2020</a:t>
             </a:fld>
             <a:endParaRPr lang="en-US"/>
           </a:p>
@@ -1829,7 +1835,7 @@
             <a:fld id="{76969C88-B244-455D-A017-012B25B1ACDD}" type="datetimeFigureOut">
               <a:rPr lang="en-US" smtClean="0"/>
               <a:pPr/>
-              <a:t>6/23/2020</a:t>
+              <a:t>6/30/2020</a:t>
             </a:fld>
             <a:endParaRPr lang="en-US"/>
           </a:p>
@@ -1972,7 +1978,7 @@
             <a:fld id="{76969C88-B244-455D-A017-012B25B1ACDD}" type="datetimeFigureOut">
               <a:rPr lang="en-US" smtClean="0"/>
               <a:pPr/>
-              <a:t>6/23/2020</a:t>
+              <a:t>6/30/2020</a:t>
             </a:fld>
             <a:endParaRPr lang="en-US"/>
           </a:p>
@@ -2087,7 +2093,7 @@
             <a:fld id="{76969C88-B244-455D-A017-012B25B1ACDD}" type="datetimeFigureOut">
               <a:rPr lang="en-US" smtClean="0"/>
               <a:pPr/>
-              <a:t>6/23/2020</a:t>
+              <a:t>6/30/2020</a:t>
             </a:fld>
             <a:endParaRPr lang="en-US"/>
           </a:p>
@@ -2400,7 +2406,7 @@
             <a:fld id="{76969C88-B244-455D-A017-012B25B1ACDD}" type="datetimeFigureOut">
               <a:rPr lang="en-US" smtClean="0"/>
               <a:pPr/>
-              <a:t>6/23/2020</a:t>
+              <a:t>6/30/2020</a:t>
             </a:fld>
             <a:endParaRPr lang="en-US"/>
           </a:p>
@@ -2690,7 +2696,7 @@
             <a:fld id="{76969C88-B244-455D-A017-012B25B1ACDD}" type="datetimeFigureOut">
               <a:rPr lang="en-US" smtClean="0"/>
               <a:pPr/>
-              <a:t>6/23/2020</a:t>
+              <a:t>6/30/2020</a:t>
             </a:fld>
             <a:endParaRPr lang="en-US"/>
           </a:p>
@@ -2933,7 +2939,7 @@
             <a:fld id="{76969C88-B244-455D-A017-012B25B1ACDD}" type="datetimeFigureOut">
               <a:rPr lang="en-US" smtClean="0"/>
               <a:pPr/>
-              <a:t>6/23/2020</a:t>
+              <a:t>6/30/2020</a:t>
             </a:fld>
             <a:endParaRPr lang="en-US"/>
           </a:p>
@@ -3370,31 +3376,26 @@
         <p:spPr>
           <a:xfrm>
             <a:off x="1181642" y="1956418"/>
-            <a:ext cx="9144000" cy="2387600"/>
+            <a:ext cx="9144000" cy="3131286"/>
           </a:xfrm>
         </p:spPr>
         <p:txBody>
           <a:bodyPr>
-            <a:normAutofit/>
+            <a:noAutofit/>
           </a:bodyPr>
           <a:lstStyle/>
           <a:p>
             <a:r>
-              <a:rPr lang="pt-BR" sz="8000" dirty="0"/>
-              <a:t>Design </a:t>
-            </a:r>
-            <a:r>
-              <a:rPr lang="pt-BR" sz="8000" dirty="0" err="1"/>
-              <a:t>Patterns</a:t>
+              <a:rPr lang="pt-BR" sz="6600" dirty="0"/>
+              <a:t>Design Systems</a:t>
             </a:r>
             <a:br>
-              <a:rPr lang="pt-BR" sz="8000" dirty="0"/>
+              <a:rPr lang="pt-BR" sz="6600" dirty="0"/>
             </a:br>
             <a:r>
-              <a:rPr lang="pt-BR" sz="8000" dirty="0" err="1"/>
-              <a:t>Singleton</a:t>
-            </a:r>
-            <a:endParaRPr lang="pt-BR" sz="8000" dirty="0"/>
+              <a:rPr lang="pt-BR" sz="6600" dirty="0"/>
+              <a:t>Trabalhando com data/hora em sistemas distribuídos</a:t>
+            </a:r>
           </a:p>
         </p:txBody>
       </p:sp>
@@ -3743,7 +3744,7 @@
         <p:spPr>
           <a:xfrm>
             <a:off x="563374" y="1703124"/>
-            <a:ext cx="11393164" cy="3170099"/>
+            <a:ext cx="11393164" cy="3785652"/>
           </a:xfrm>
           <a:prstGeom prst="rect">
             <a:avLst/>
@@ -3763,6 +3764,16 @@
             <a:r>
               <a:rPr lang="pt-BR" sz="4000" dirty="0"/>
               <a:t>Introdução</a:t>
+            </a:r>
+          </a:p>
+          <a:p>
+            <a:pPr marL="571500" indent="-571500">
+              <a:buFont typeface="Arial" panose="020B0604020202020204" pitchFamily="34" charset="0"/>
+              <a:buChar char="•"/>
+            </a:pPr>
+            <a:r>
+              <a:rPr lang="pt-BR" sz="4000" dirty="0"/>
+              <a:t>Arquitetura de sistemas</a:t>
             </a:r>
           </a:p>
           <a:p>
@@ -3942,7 +3953,17 @@
             </a:pPr>
             <a:r>
               <a:rPr lang="pt-BR" sz="4000" dirty="0"/>
-              <a:t>Tipo</a:t>
+              <a:t>Caso de uso</a:t>
+            </a:r>
+          </a:p>
+          <a:p>
+            <a:pPr marL="1028700" lvl="1" indent="-571500">
+              <a:buFont typeface="Arial" panose="020B0604020202020204" pitchFamily="34" charset="0"/>
+              <a:buChar char="•"/>
+            </a:pPr>
+            <a:r>
+              <a:rPr lang="pt-BR" sz="4000" dirty="0"/>
+              <a:t>Códigos promocionais</a:t>
             </a:r>
           </a:p>
           <a:p>
@@ -3952,32 +3973,28 @@
             </a:pPr>
             <a:r>
               <a:rPr lang="pt-BR" sz="4000" dirty="0"/>
-              <a:t>Intenção</a:t>
-            </a:r>
-          </a:p>
-          <a:p>
-            <a:pPr marL="571500" indent="-571500">
-              <a:buFont typeface="Arial" panose="020B0604020202020204" pitchFamily="34" charset="0"/>
-              <a:buChar char="•"/>
-            </a:pPr>
-            <a:r>
-              <a:rPr lang="pt-BR" sz="4000" dirty="0"/>
-              <a:t>Ciclo de vida</a:t>
-            </a:r>
-          </a:p>
-          <a:p>
-            <a:pPr marL="571500" indent="-571500">
-              <a:buFont typeface="Arial" panose="020B0604020202020204" pitchFamily="34" charset="0"/>
-              <a:buChar char="•"/>
-            </a:pPr>
-            <a:endParaRPr lang="pt-BR" sz="4000" dirty="0"/>
+              <a:t>Modelo tradicional e implicações</a:t>
+            </a:r>
           </a:p>
           <a:p>
             <a:pPr marL="1028700" lvl="1" indent="-571500">
               <a:buFont typeface="Arial" panose="020B0604020202020204" pitchFamily="34" charset="0"/>
               <a:buChar char="•"/>
             </a:pPr>
-            <a:endParaRPr lang="pt-BR" sz="4000" dirty="0"/>
+            <a:r>
+              <a:rPr lang="pt-BR" sz="4000" dirty="0"/>
+              <a:t>Fuso horário</a:t>
+            </a:r>
+          </a:p>
+          <a:p>
+            <a:pPr marL="1028700" lvl="1" indent="-571500">
+              <a:buFont typeface="Arial" panose="020B0604020202020204" pitchFamily="34" charset="0"/>
+              <a:buChar char="•"/>
+            </a:pPr>
+            <a:r>
+              <a:rPr lang="pt-BR" sz="4000" dirty="0"/>
+              <a:t>Horário de verão</a:t>
+            </a:r>
           </a:p>
         </p:txBody>
       </p:sp>
@@ -4041,7 +4058,7 @@
           <a:p>
             <a:r>
               <a:rPr lang="pt-BR" sz="8000" dirty="0"/>
-              <a:t>Diagrama de classes</a:t>
+              <a:t>Arquitetura de sistemas</a:t>
             </a:r>
           </a:p>
         </p:txBody>
@@ -4084,10 +4101,10 @@
       </p:pic>
       <p:pic>
         <p:nvPicPr>
-          <p:cNvPr id="5" name="Imagem 4">
-            <a:extLst>
-              <a:ext uri="{FF2B5EF4-FFF2-40B4-BE49-F238E27FC236}">
-                <a16:creationId xmlns:a16="http://schemas.microsoft.com/office/drawing/2014/main" id="{51E4CD50-3B3F-46A2-A958-BEEBCDFE7845}"/>
+          <p:cNvPr id="4" name="Imagem 3">
+            <a:extLst>
+              <a:ext uri="{FF2B5EF4-FFF2-40B4-BE49-F238E27FC236}">
+                <a16:creationId xmlns:a16="http://schemas.microsoft.com/office/drawing/2014/main" id="{DC27EF5C-5A34-40EA-AF77-ED80854553F3}"/>
               </a:ext>
             </a:extLst>
           </p:cNvPr>
@@ -4110,8 +4127,8 @@
         </p:blipFill>
         <p:spPr>
           <a:xfrm>
-            <a:off x="3995737" y="2876550"/>
-            <a:ext cx="4200525" cy="1104900"/>
+            <a:off x="537373" y="1644407"/>
+            <a:ext cx="5096371" cy="4893490"/>
           </a:xfrm>
           <a:prstGeom prst="rect">
             <a:avLst/>
@@ -4166,8 +4183,8 @@
         </p:nvSpPr>
         <p:spPr>
           <a:xfrm>
-            <a:off x="3933510" y="253294"/>
-            <a:ext cx="4517107" cy="1081470"/>
+            <a:off x="2380212" y="417973"/>
+            <a:ext cx="9529982" cy="1081470"/>
           </a:xfrm>
         </p:spPr>
         <p:txBody>
@@ -4178,7 +4195,7 @@
           <a:p>
             <a:r>
               <a:rPr lang="pt-BR" sz="8000" dirty="0"/>
-              <a:t>Prós</a:t>
+              <a:t>Diagrama de classes</a:t>
             </a:r>
           </a:p>
         </p:txBody>
@@ -4219,94 +4236,46 @@
           </a:prstGeom>
         </p:spPr>
       </p:pic>
-      <p:sp>
-        <p:nvSpPr>
-          <p:cNvPr id="4" name="CaixaDeTexto 3">
-            <a:extLst>
-              <a:ext uri="{FF2B5EF4-FFF2-40B4-BE49-F238E27FC236}">
-                <a16:creationId xmlns:a16="http://schemas.microsoft.com/office/drawing/2014/main" id="{581E8938-DBC9-4DF6-9DE0-DAD7378FB725}"/>
-              </a:ext>
-            </a:extLst>
-          </p:cNvPr>
-          <p:cNvSpPr txBox="1"/>
+      <p:pic>
+        <p:nvPicPr>
+          <p:cNvPr id="6" name="Imagem 5">
+            <a:extLst>
+              <a:ext uri="{FF2B5EF4-FFF2-40B4-BE49-F238E27FC236}">
+                <a16:creationId xmlns:a16="http://schemas.microsoft.com/office/drawing/2014/main" id="{CC430C18-119F-4B2F-8C48-1EC2398B8EF2}"/>
+              </a:ext>
+            </a:extLst>
+          </p:cNvPr>
+          <p:cNvPicPr>
+            <a:picLocks noChangeAspect="1"/>
+          </p:cNvPicPr>
           <p:nvPr/>
-        </p:nvSpPr>
+        </p:nvPicPr>
+        <p:blipFill>
+          <a:blip r:embed="rId3">
+            <a:extLst>
+              <a:ext uri="{28A0092B-C50C-407E-A947-70E740481C1C}">
+                <a14:useLocalDpi xmlns:a14="http://schemas.microsoft.com/office/drawing/2010/main" val="0"/>
+              </a:ext>
+            </a:extLst>
+          </a:blip>
+          <a:stretch>
+            <a:fillRect/>
+          </a:stretch>
+        </p:blipFill>
         <p:spPr>
           <a:xfrm>
-            <a:off x="563374" y="1703124"/>
-            <a:ext cx="11393164" cy="4401205"/>
+            <a:off x="559619" y="1453804"/>
+            <a:ext cx="6729579" cy="5372809"/>
           </a:xfrm>
           <a:prstGeom prst="rect">
             <a:avLst/>
           </a:prstGeom>
-          <a:noFill/>
         </p:spPr>
-        <p:txBody>
-          <a:bodyPr wrap="square" rtlCol="0">
-            <a:spAutoFit/>
-          </a:bodyPr>
-          <a:lstStyle/>
-          <a:p>
-            <a:pPr marL="571500" indent="-571500">
-              <a:buFont typeface="Arial" panose="020B0604020202020204" pitchFamily="34" charset="0"/>
-              <a:buChar char="•"/>
-            </a:pPr>
-            <a:r>
-              <a:rPr lang="pt-BR" sz="4000" dirty="0"/>
-              <a:t>Garantia de instância única</a:t>
-            </a:r>
-          </a:p>
-          <a:p>
-            <a:pPr marL="571500" indent="-571500">
-              <a:buFont typeface="Arial" panose="020B0604020202020204" pitchFamily="34" charset="0"/>
-              <a:buChar char="•"/>
-            </a:pPr>
-            <a:r>
-              <a:rPr lang="pt-BR" sz="4000" dirty="0"/>
-              <a:t>Acesso global</a:t>
-            </a:r>
-          </a:p>
-          <a:p>
-            <a:pPr marL="571500" indent="-571500">
-              <a:buFont typeface="Arial" panose="020B0604020202020204" pitchFamily="34" charset="0"/>
-              <a:buChar char="•"/>
-            </a:pPr>
-            <a:r>
-              <a:rPr lang="pt-BR" sz="4000" dirty="0" err="1"/>
-              <a:t>Lazy</a:t>
-            </a:r>
-            <a:endParaRPr lang="pt-BR" sz="4000" dirty="0"/>
-          </a:p>
-          <a:p>
-            <a:pPr marL="571500" indent="-571500">
-              <a:buFont typeface="Arial" panose="020B0604020202020204" pitchFamily="34" charset="0"/>
-              <a:buChar char="•"/>
-            </a:pPr>
-            <a:r>
-              <a:rPr lang="pt-BR" sz="4000" dirty="0"/>
-              <a:t>Redução de custo computacional ou garantias de design</a:t>
-            </a:r>
-          </a:p>
-          <a:p>
-            <a:pPr marL="571500" indent="-571500">
-              <a:buFont typeface="Arial" panose="020B0604020202020204" pitchFamily="34" charset="0"/>
-              <a:buChar char="•"/>
-            </a:pPr>
-            <a:endParaRPr lang="pt-BR" sz="4000" dirty="0"/>
-          </a:p>
-          <a:p>
-            <a:pPr marL="1028700" lvl="1" indent="-571500">
-              <a:buFont typeface="Arial" panose="020B0604020202020204" pitchFamily="34" charset="0"/>
-              <a:buChar char="•"/>
-            </a:pPr>
-            <a:endParaRPr lang="pt-BR" sz="4000" dirty="0"/>
-          </a:p>
-        </p:txBody>
-      </p:sp>
+      </p:pic>
     </p:spTree>
     <p:extLst>
       <p:ext uri="{BB962C8B-B14F-4D97-AF65-F5344CB8AC3E}">
-        <p14:creationId xmlns:p14="http://schemas.microsoft.com/office/powerpoint/2010/main" val="2864993140"/>
+        <p14:creationId xmlns:p14="http://schemas.microsoft.com/office/powerpoint/2010/main" val="1129376316"/>
       </p:ext>
     </p:extLst>
   </p:cSld>
@@ -4363,7 +4332,7 @@
           <a:p>
             <a:r>
               <a:rPr lang="pt-BR" sz="8000" dirty="0"/>
-              <a:t>Contras</a:t>
+              <a:t>Prós</a:t>
             </a:r>
           </a:p>
         </p:txBody>
@@ -4419,7 +4388,7 @@
         <p:spPr>
           <a:xfrm>
             <a:off x="563374" y="1703124"/>
-            <a:ext cx="11393164" cy="4401205"/>
+            <a:ext cx="11393164" cy="2554545"/>
           </a:xfrm>
           <a:prstGeom prst="rect">
             <a:avLst/>
@@ -4438,7 +4407,7 @@
             </a:pPr>
             <a:r>
               <a:rPr lang="pt-BR" sz="4000" dirty="0"/>
-              <a:t>Viola responsabilidade única (S -&gt; SOLID)</a:t>
+              <a:t>Garantia de origem única (SSOT)</a:t>
             </a:r>
           </a:p>
           <a:p>
@@ -4448,7 +4417,7 @@
             </a:pPr>
             <a:r>
               <a:rPr lang="pt-BR" sz="4000" dirty="0"/>
-              <a:t>Difícil de testar</a:t>
+              <a:t>Flexibilidade de testes</a:t>
             </a:r>
           </a:p>
           <a:p>
@@ -4458,7 +4427,7 @@
             </a:pPr>
             <a:r>
               <a:rPr lang="pt-BR" sz="4000" dirty="0"/>
-              <a:t>Dificuldades em ambientes de concorrência</a:t>
+              <a:t>Flexibilidade com particularidades</a:t>
             </a:r>
           </a:p>
           <a:p>
@@ -4466,9 +4435,172 @@
               <a:buFont typeface="Arial" panose="020B0604020202020204" pitchFamily="34" charset="0"/>
               <a:buChar char="•"/>
             </a:pPr>
+            <a:endParaRPr lang="pt-BR" sz="4000" dirty="0"/>
+          </a:p>
+        </p:txBody>
+      </p:sp>
+    </p:spTree>
+    <p:extLst>
+      <p:ext uri="{BB962C8B-B14F-4D97-AF65-F5344CB8AC3E}">
+        <p14:creationId xmlns:p14="http://schemas.microsoft.com/office/powerpoint/2010/main" val="2864993140"/>
+      </p:ext>
+    </p:extLst>
+  </p:cSld>
+  <p:clrMapOvr>
+    <a:masterClrMapping/>
+  </p:clrMapOvr>
+</p:sld>
+</file>
+
+<file path=ppt/slides/slide7.xml><?xml version="1.0" encoding="utf-8"?>
+<p:sld xmlns:a="http://schemas.openxmlformats.org/drawingml/2006/main" xmlns:r="http://schemas.openxmlformats.org/officeDocument/2006/relationships" xmlns:p="http://schemas.openxmlformats.org/presentationml/2006/main">
+  <p:cSld>
+    <p:spTree>
+      <p:nvGrpSpPr>
+        <p:cNvPr id="1" name=""/>
+        <p:cNvGrpSpPr/>
+        <p:nvPr/>
+      </p:nvGrpSpPr>
+      <p:grpSpPr>
+        <a:xfrm>
+          <a:off x="0" y="0"/>
+          <a:ext cx="0" cy="0"/>
+          <a:chOff x="0" y="0"/>
+          <a:chExt cx="0" cy="0"/>
+        </a:xfrm>
+      </p:grpSpPr>
+      <p:sp>
+        <p:nvSpPr>
+          <p:cNvPr id="2" name="Título 1">
+            <a:extLst>
+              <a:ext uri="{FF2B5EF4-FFF2-40B4-BE49-F238E27FC236}">
+                <a16:creationId xmlns:a16="http://schemas.microsoft.com/office/drawing/2014/main" id="{C65EE2DB-7E05-4D2D-9580-DFFA13FB2CD9}"/>
+              </a:ext>
+            </a:extLst>
+          </p:cNvPr>
+          <p:cNvSpPr>
+            <a:spLocks noGrp="1"/>
+          </p:cNvSpPr>
+          <p:nvPr>
+            <p:ph type="ctrTitle"/>
+          </p:nvPr>
+        </p:nvSpPr>
+        <p:spPr>
+          <a:xfrm>
+            <a:off x="3933510" y="253294"/>
+            <a:ext cx="4517107" cy="1081470"/>
+          </a:xfrm>
+        </p:spPr>
+        <p:txBody>
+          <a:bodyPr>
+            <a:normAutofit fontScale="90000"/>
+          </a:bodyPr>
+          <a:lstStyle/>
+          <a:p>
+            <a:r>
+              <a:rPr lang="pt-BR" sz="8000" dirty="0"/>
+              <a:t>Contras</a:t>
+            </a:r>
+          </a:p>
+        </p:txBody>
+      </p:sp>
+      <p:pic>
+        <p:nvPicPr>
+          <p:cNvPr id="7" name="Imagem 6">
+            <a:extLst>
+              <a:ext uri="{FF2B5EF4-FFF2-40B4-BE49-F238E27FC236}">
+                <a16:creationId xmlns:a16="http://schemas.microsoft.com/office/drawing/2014/main" id="{CDF985C1-08EE-49C7-9D0A-42CE13237C1F}"/>
+              </a:ext>
+            </a:extLst>
+          </p:cNvPr>
+          <p:cNvPicPr>
+            <a:picLocks noChangeAspect="1"/>
+          </p:cNvPicPr>
+          <p:nvPr/>
+        </p:nvPicPr>
+        <p:blipFill>
+          <a:blip r:embed="rId2">
+            <a:extLst>
+              <a:ext uri="{28A0092B-C50C-407E-A947-70E740481C1C}">
+                <a14:useLocalDpi xmlns:a14="http://schemas.microsoft.com/office/drawing/2010/main" val="0"/>
+              </a:ext>
+            </a:extLst>
+          </a:blip>
+          <a:stretch>
+            <a:fillRect/>
+          </a:stretch>
+        </p:blipFill>
+        <p:spPr>
+          <a:xfrm>
+            <a:off x="329476" y="151625"/>
+            <a:ext cx="2003066" cy="1438824"/>
+          </a:xfrm>
+          <a:prstGeom prst="rect">
+            <a:avLst/>
+          </a:prstGeom>
+        </p:spPr>
+      </p:pic>
+      <p:sp>
+        <p:nvSpPr>
+          <p:cNvPr id="4" name="CaixaDeTexto 3">
+            <a:extLst>
+              <a:ext uri="{FF2B5EF4-FFF2-40B4-BE49-F238E27FC236}">
+                <a16:creationId xmlns:a16="http://schemas.microsoft.com/office/drawing/2014/main" id="{581E8938-DBC9-4DF6-9DE0-DAD7378FB725}"/>
+              </a:ext>
+            </a:extLst>
+          </p:cNvPr>
+          <p:cNvSpPr txBox="1"/>
+          <p:nvPr/>
+        </p:nvSpPr>
+        <p:spPr>
+          <a:xfrm>
+            <a:off x="563374" y="1703124"/>
+            <a:ext cx="11393164" cy="3785652"/>
+          </a:xfrm>
+          <a:prstGeom prst="rect">
+            <a:avLst/>
+          </a:prstGeom>
+          <a:noFill/>
+        </p:spPr>
+        <p:txBody>
+          <a:bodyPr wrap="square" rtlCol="0">
+            <a:spAutoFit/>
+          </a:bodyPr>
+          <a:lstStyle/>
+          <a:p>
+            <a:pPr marL="571500" indent="-571500">
+              <a:buFont typeface="Arial" panose="020B0604020202020204" pitchFamily="34" charset="0"/>
+              <a:buChar char="•"/>
+            </a:pPr>
             <a:r>
               <a:rPr lang="pt-BR" sz="4000" dirty="0"/>
-              <a:t>Estado interno</a:t>
+              <a:t>Single point </a:t>
+            </a:r>
+            <a:r>
+              <a:rPr lang="pt-BR" sz="4000" dirty="0" err="1"/>
+              <a:t>of</a:t>
+            </a:r>
+            <a:r>
+              <a:rPr lang="pt-BR" sz="4000" dirty="0"/>
+              <a:t> </a:t>
+            </a:r>
+            <a:r>
+              <a:rPr lang="pt-BR" sz="4000" dirty="0" err="1"/>
+              <a:t>failure</a:t>
+            </a:r>
+            <a:r>
+              <a:rPr lang="pt-BR" sz="4000" dirty="0"/>
+              <a:t> SPOF </a:t>
+            </a:r>
+          </a:p>
+          <a:p>
+            <a:pPr marL="571500" indent="-571500">
+              <a:buFont typeface="Arial" panose="020B0604020202020204" pitchFamily="34" charset="0"/>
+              <a:buChar char="•"/>
+            </a:pPr>
+            <a:r>
+              <a:rPr lang="pt-BR" sz="4000" dirty="0"/>
+              <a:t>Execução remote (REST, RPC)</a:t>
             </a:r>
           </a:p>
           <a:p>
@@ -4477,8 +4609,26 @@
               <a:buChar char="•"/>
             </a:pPr>
             <a:r>
+              <a:rPr lang="pt-BR" sz="4000" dirty="0" err="1"/>
+              <a:t>Delay</a:t>
+            </a:r>
+            <a:r>
               <a:rPr lang="pt-BR" sz="4000" dirty="0"/>
-              <a:t>Performance de execução</a:t>
+              <a:t> de rede</a:t>
+            </a:r>
+          </a:p>
+          <a:p>
+            <a:pPr marL="1028700" lvl="1" indent="-571500">
+              <a:buFont typeface="Arial" panose="020B0604020202020204" pitchFamily="34" charset="0"/>
+              <a:buChar char="•"/>
+            </a:pPr>
+            <a:r>
+              <a:rPr lang="pt-BR" sz="4000" dirty="0" err="1"/>
+              <a:t>Tolerancia</a:t>
+            </a:r>
+            <a:r>
+              <a:rPr lang="pt-BR" sz="4000" dirty="0"/>
+              <a:t> a falha</a:t>
             </a:r>
           </a:p>
           <a:p>
@@ -4510,7 +4660,7 @@
 </p:sld>
 </file>
 
-<file path=ppt/slides/slide7.xml><?xml version="1.0" encoding="utf-8"?>
+<file path=ppt/slides/slide8.xml><?xml version="1.0" encoding="utf-8"?>
 <p:sld xmlns:a="http://schemas.openxmlformats.org/drawingml/2006/main" xmlns:r="http://schemas.openxmlformats.org/officeDocument/2006/relationships" xmlns:p="http://schemas.openxmlformats.org/presentationml/2006/main">
   <p:cSld>
     <p:spTree>
